--- a/undergraduate-thesis/images/rotation.pptx
+++ b/undergraduate-thesis/images/rotation.pptx
@@ -2,12 +2,12 @@
 <file path=ppt/presentation.xml><?xml version="1.0" encoding="utf-8"?>
 <p:presentation xmlns:a="http://schemas.openxmlformats.org/drawingml/2006/main" xmlns:r="http://schemas.openxmlformats.org/officeDocument/2006/relationships" xmlns:p="http://schemas.openxmlformats.org/presentationml/2006/main" saveSubsetFonts="1" autoCompressPictures="0">
   <p:sldMasterIdLst>
-    <p:sldMasterId id="2147483720" r:id="rId1"/>
+    <p:sldMasterId id="2147483744" r:id="rId1"/>
   </p:sldMasterIdLst>
   <p:sldIdLst>
     <p:sldId id="256" r:id="rId2"/>
   </p:sldIdLst>
-  <p:sldSz cx="8640763" cy="2160588"/>
+  <p:sldSz cx="7199313" cy="1800225"/>
   <p:notesSz cx="6858000" cy="9144000"/>
   <p:defaultTextStyle>
     <a:defPPr>
@@ -141,15 +141,15 @@
         </p:nvSpPr>
         <p:spPr>
           <a:xfrm>
-            <a:off x="1080096" y="353596"/>
-            <a:ext cx="6480572" cy="752205"/>
+            <a:off x="899914" y="294620"/>
+            <a:ext cx="5399485" cy="626745"/>
           </a:xfrm>
         </p:spPr>
         <p:txBody>
           <a:bodyPr anchor="b"/>
           <a:lstStyle>
             <a:lvl1pPr algn="ctr">
-              <a:defRPr sz="1890"/>
+              <a:defRPr sz="1575"/>
             </a:lvl1pPr>
           </a:lstStyle>
           <a:p>
@@ -173,8 +173,8 @@
         </p:nvSpPr>
         <p:spPr>
           <a:xfrm>
-            <a:off x="1080096" y="1134809"/>
-            <a:ext cx="6480572" cy="521642"/>
+            <a:off x="899914" y="945535"/>
+            <a:ext cx="5399485" cy="434638"/>
           </a:xfrm>
         </p:spPr>
         <p:txBody>
@@ -182,39 +182,39 @@
           <a:lstStyle>
             <a:lvl1pPr marL="0" indent="0" algn="ctr">
               <a:buNone/>
-              <a:defRPr sz="756"/>
+              <a:defRPr sz="630"/>
             </a:lvl1pPr>
-            <a:lvl2pPr marL="144018" indent="0" algn="ctr">
-              <a:buNone/>
-              <a:defRPr sz="630"/>
+            <a:lvl2pPr marL="120015" indent="0" algn="ctr">
+              <a:buNone/>
+              <a:defRPr sz="525"/>
             </a:lvl2pPr>
-            <a:lvl3pPr marL="288036" indent="0" algn="ctr">
-              <a:buNone/>
-              <a:defRPr sz="567"/>
+            <a:lvl3pPr marL="240030" indent="0" algn="ctr">
+              <a:buNone/>
+              <a:defRPr sz="472"/>
             </a:lvl3pPr>
-            <a:lvl4pPr marL="432054" indent="0" algn="ctr">
-              <a:buNone/>
-              <a:defRPr sz="504"/>
+            <a:lvl4pPr marL="360045" indent="0" algn="ctr">
+              <a:buNone/>
+              <a:defRPr sz="420"/>
             </a:lvl4pPr>
-            <a:lvl5pPr marL="576072" indent="0" algn="ctr">
-              <a:buNone/>
-              <a:defRPr sz="504"/>
+            <a:lvl5pPr marL="480060" indent="0" algn="ctr">
+              <a:buNone/>
+              <a:defRPr sz="420"/>
             </a:lvl5pPr>
-            <a:lvl6pPr marL="720090" indent="0" algn="ctr">
-              <a:buNone/>
-              <a:defRPr sz="504"/>
+            <a:lvl6pPr marL="600075" indent="0" algn="ctr">
+              <a:buNone/>
+              <a:defRPr sz="420"/>
             </a:lvl6pPr>
-            <a:lvl7pPr marL="864108" indent="0" algn="ctr">
-              <a:buNone/>
-              <a:defRPr sz="504"/>
+            <a:lvl7pPr marL="720090" indent="0" algn="ctr">
+              <a:buNone/>
+              <a:defRPr sz="420"/>
             </a:lvl7pPr>
-            <a:lvl8pPr marL="1008126" indent="0" algn="ctr">
-              <a:buNone/>
-              <a:defRPr sz="504"/>
+            <a:lvl8pPr marL="840105" indent="0" algn="ctr">
+              <a:buNone/>
+              <a:defRPr sz="420"/>
             </a:lvl8pPr>
-            <a:lvl9pPr marL="1152144" indent="0" algn="ctr">
-              <a:buNone/>
-              <a:defRPr sz="504"/>
+            <a:lvl9pPr marL="960120" indent="0" algn="ctr">
+              <a:buNone/>
+              <a:defRPr sz="420"/>
             </a:lvl9pPr>
           </a:lstStyle>
           <a:p>
@@ -243,7 +243,7 @@
           <a:p>
             <a:fld id="{F9EB941E-0FB0-264C-9800-FF74B20F0846}" type="datetimeFigureOut">
               <a:rPr kumimoji="1" lang="zh-CN" altLang="en-US" smtClean="0"/>
-              <a:t>2023/5/3</a:t>
+              <a:t>2023/5/7</a:t>
             </a:fld>
             <a:endParaRPr kumimoji="1" lang="zh-CN" altLang="en-US"/>
           </a:p>
@@ -294,7 +294,7 @@
     </p:spTree>
     <p:extLst>
       <p:ext uri="{BB962C8B-B14F-4D97-AF65-F5344CB8AC3E}">
-        <p14:creationId xmlns:p14="http://schemas.microsoft.com/office/powerpoint/2010/main" val="1483183802"/>
+        <p14:creationId xmlns:p14="http://schemas.microsoft.com/office/powerpoint/2010/main" val="1418428487"/>
       </p:ext>
     </p:extLst>
   </p:cSld>
@@ -413,7 +413,7 @@
           <a:p>
             <a:fld id="{F9EB941E-0FB0-264C-9800-FF74B20F0846}" type="datetimeFigureOut">
               <a:rPr kumimoji="1" lang="zh-CN" altLang="en-US" smtClean="0"/>
-              <a:t>2023/5/3</a:t>
+              <a:t>2023/5/7</a:t>
             </a:fld>
             <a:endParaRPr kumimoji="1" lang="zh-CN" altLang="en-US"/>
           </a:p>
@@ -464,7 +464,7 @@
     </p:spTree>
     <p:extLst>
       <p:ext uri="{BB962C8B-B14F-4D97-AF65-F5344CB8AC3E}">
-        <p14:creationId xmlns:p14="http://schemas.microsoft.com/office/powerpoint/2010/main" val="3205010895"/>
+        <p14:creationId xmlns:p14="http://schemas.microsoft.com/office/powerpoint/2010/main" val="2947862152"/>
       </p:ext>
     </p:extLst>
   </p:cSld>
@@ -503,8 +503,8 @@
         </p:nvSpPr>
         <p:spPr>
           <a:xfrm>
-            <a:off x="6183546" y="115032"/>
-            <a:ext cx="1863165" cy="1830998"/>
+            <a:off x="5152008" y="95846"/>
+            <a:ext cx="1552352" cy="1525607"/>
           </a:xfrm>
         </p:spPr>
         <p:txBody>
@@ -531,8 +531,8 @@
         </p:nvSpPr>
         <p:spPr>
           <a:xfrm>
-            <a:off x="594052" y="115032"/>
-            <a:ext cx="5481484" cy="1830998"/>
+            <a:off x="494953" y="95846"/>
+            <a:ext cx="4567064" cy="1525607"/>
           </a:xfrm>
         </p:spPr>
         <p:txBody>
@@ -593,7 +593,7 @@
           <a:p>
             <a:fld id="{F9EB941E-0FB0-264C-9800-FF74B20F0846}" type="datetimeFigureOut">
               <a:rPr kumimoji="1" lang="zh-CN" altLang="en-US" smtClean="0"/>
-              <a:t>2023/5/3</a:t>
+              <a:t>2023/5/7</a:t>
             </a:fld>
             <a:endParaRPr kumimoji="1" lang="zh-CN" altLang="en-US"/>
           </a:p>
@@ -644,7 +644,7 @@
     </p:spTree>
     <p:extLst>
       <p:ext uri="{BB962C8B-B14F-4D97-AF65-F5344CB8AC3E}">
-        <p14:creationId xmlns:p14="http://schemas.microsoft.com/office/powerpoint/2010/main" val="718387910"/>
+        <p14:creationId xmlns:p14="http://schemas.microsoft.com/office/powerpoint/2010/main" val="841775004"/>
       </p:ext>
     </p:extLst>
   </p:cSld>
@@ -763,7 +763,7 @@
           <a:p>
             <a:fld id="{F9EB941E-0FB0-264C-9800-FF74B20F0846}" type="datetimeFigureOut">
               <a:rPr kumimoji="1" lang="zh-CN" altLang="en-US" smtClean="0"/>
-              <a:t>2023/5/3</a:t>
+              <a:t>2023/5/7</a:t>
             </a:fld>
             <a:endParaRPr kumimoji="1" lang="zh-CN" altLang="en-US"/>
           </a:p>
@@ -814,7 +814,7 @@
     </p:spTree>
     <p:extLst>
       <p:ext uri="{BB962C8B-B14F-4D97-AF65-F5344CB8AC3E}">
-        <p14:creationId xmlns:p14="http://schemas.microsoft.com/office/powerpoint/2010/main" val="3313136279"/>
+        <p14:creationId xmlns:p14="http://schemas.microsoft.com/office/powerpoint/2010/main" val="508476072"/>
       </p:ext>
     </p:extLst>
   </p:cSld>
@@ -853,15 +853,15 @@
         </p:nvSpPr>
         <p:spPr>
           <a:xfrm>
-            <a:off x="589552" y="538647"/>
-            <a:ext cx="7452658" cy="898744"/>
+            <a:off x="491203" y="448807"/>
+            <a:ext cx="6209407" cy="748843"/>
           </a:xfrm>
         </p:spPr>
         <p:txBody>
           <a:bodyPr anchor="b"/>
           <a:lstStyle>
             <a:lvl1pPr>
-              <a:defRPr sz="1890"/>
+              <a:defRPr sz="1575"/>
             </a:lvl1pPr>
           </a:lstStyle>
           <a:p>
@@ -885,8 +885,8 @@
         </p:nvSpPr>
         <p:spPr>
           <a:xfrm>
-            <a:off x="589552" y="1445894"/>
-            <a:ext cx="7452658" cy="472628"/>
+            <a:off x="491203" y="1204734"/>
+            <a:ext cx="6209407" cy="393799"/>
           </a:xfrm>
         </p:spPr>
         <p:txBody>
@@ -894,7 +894,7 @@
           <a:lstStyle>
             <a:lvl1pPr marL="0" indent="0">
               <a:buNone/>
-              <a:defRPr sz="756">
+              <a:defRPr sz="630">
                 <a:solidFill>
                   <a:schemeClr val="tx1">
                     <a:tint val="75000"/>
@@ -902,9 +902,9 @@
                 </a:solidFill>
               </a:defRPr>
             </a:lvl1pPr>
-            <a:lvl2pPr marL="144018" indent="0">
-              <a:buNone/>
-              <a:defRPr sz="630">
+            <a:lvl2pPr marL="120015" indent="0">
+              <a:buNone/>
+              <a:defRPr sz="525">
                 <a:solidFill>
                   <a:schemeClr val="tx1">
                     <a:tint val="75000"/>
@@ -912,9 +912,9 @@
                 </a:solidFill>
               </a:defRPr>
             </a:lvl2pPr>
-            <a:lvl3pPr marL="288036" indent="0">
-              <a:buNone/>
-              <a:defRPr sz="567">
+            <a:lvl3pPr marL="240030" indent="0">
+              <a:buNone/>
+              <a:defRPr sz="472">
                 <a:solidFill>
                   <a:schemeClr val="tx1">
                     <a:tint val="75000"/>
@@ -922,9 +922,9 @@
                 </a:solidFill>
               </a:defRPr>
             </a:lvl3pPr>
-            <a:lvl4pPr marL="432054" indent="0">
-              <a:buNone/>
-              <a:defRPr sz="504">
+            <a:lvl4pPr marL="360045" indent="0">
+              <a:buNone/>
+              <a:defRPr sz="420">
                 <a:solidFill>
                   <a:schemeClr val="tx1">
                     <a:tint val="75000"/>
@@ -932,9 +932,9 @@
                 </a:solidFill>
               </a:defRPr>
             </a:lvl4pPr>
-            <a:lvl5pPr marL="576072" indent="0">
-              <a:buNone/>
-              <a:defRPr sz="504">
+            <a:lvl5pPr marL="480060" indent="0">
+              <a:buNone/>
+              <a:defRPr sz="420">
                 <a:solidFill>
                   <a:schemeClr val="tx1">
                     <a:tint val="75000"/>
@@ -942,9 +942,9 @@
                 </a:solidFill>
               </a:defRPr>
             </a:lvl5pPr>
-            <a:lvl6pPr marL="720090" indent="0">
-              <a:buNone/>
-              <a:defRPr sz="504">
+            <a:lvl6pPr marL="600075" indent="0">
+              <a:buNone/>
+              <a:defRPr sz="420">
                 <a:solidFill>
                   <a:schemeClr val="tx1">
                     <a:tint val="75000"/>
@@ -952,9 +952,9 @@
                 </a:solidFill>
               </a:defRPr>
             </a:lvl6pPr>
-            <a:lvl7pPr marL="864108" indent="0">
-              <a:buNone/>
-              <a:defRPr sz="504">
+            <a:lvl7pPr marL="720090" indent="0">
+              <a:buNone/>
+              <a:defRPr sz="420">
                 <a:solidFill>
                   <a:schemeClr val="tx1">
                     <a:tint val="75000"/>
@@ -962,9 +962,9 @@
                 </a:solidFill>
               </a:defRPr>
             </a:lvl7pPr>
-            <a:lvl8pPr marL="1008126" indent="0">
-              <a:buNone/>
-              <a:defRPr sz="504">
+            <a:lvl8pPr marL="840105" indent="0">
+              <a:buNone/>
+              <a:defRPr sz="420">
                 <a:solidFill>
                   <a:schemeClr val="tx1">
                     <a:tint val="75000"/>
@@ -972,9 +972,9 @@
                 </a:solidFill>
               </a:defRPr>
             </a:lvl8pPr>
-            <a:lvl9pPr marL="1152144" indent="0">
-              <a:buNone/>
-              <a:defRPr sz="504">
+            <a:lvl9pPr marL="960120" indent="0">
+              <a:buNone/>
+              <a:defRPr sz="420">
                 <a:solidFill>
                   <a:schemeClr val="tx1">
                     <a:tint val="75000"/>
@@ -1009,7 +1009,7 @@
           <a:p>
             <a:fld id="{F9EB941E-0FB0-264C-9800-FF74B20F0846}" type="datetimeFigureOut">
               <a:rPr kumimoji="1" lang="zh-CN" altLang="en-US" smtClean="0"/>
-              <a:t>2023/5/3</a:t>
+              <a:t>2023/5/7</a:t>
             </a:fld>
             <a:endParaRPr kumimoji="1" lang="zh-CN" altLang="en-US"/>
           </a:p>
@@ -1060,7 +1060,7 @@
     </p:spTree>
     <p:extLst>
       <p:ext uri="{BB962C8B-B14F-4D97-AF65-F5344CB8AC3E}">
-        <p14:creationId xmlns:p14="http://schemas.microsoft.com/office/powerpoint/2010/main" val="2694356950"/>
+        <p14:creationId xmlns:p14="http://schemas.microsoft.com/office/powerpoint/2010/main" val="986113089"/>
       </p:ext>
     </p:extLst>
   </p:cSld>
@@ -1122,8 +1122,8 @@
         </p:nvSpPr>
         <p:spPr>
           <a:xfrm>
-            <a:off x="594053" y="575157"/>
-            <a:ext cx="3672324" cy="1370873"/>
+            <a:off x="494953" y="479227"/>
+            <a:ext cx="3059708" cy="1142226"/>
           </a:xfrm>
         </p:spPr>
         <p:txBody>
@@ -1179,8 +1179,8 @@
         </p:nvSpPr>
         <p:spPr>
           <a:xfrm>
-            <a:off x="4374386" y="575157"/>
-            <a:ext cx="3672324" cy="1370873"/>
+            <a:off x="3644652" y="479227"/>
+            <a:ext cx="3059708" cy="1142226"/>
           </a:xfrm>
         </p:spPr>
         <p:txBody>
@@ -1241,7 +1241,7 @@
           <a:p>
             <a:fld id="{F9EB941E-0FB0-264C-9800-FF74B20F0846}" type="datetimeFigureOut">
               <a:rPr kumimoji="1" lang="zh-CN" altLang="en-US" smtClean="0"/>
-              <a:t>2023/5/3</a:t>
+              <a:t>2023/5/7</a:t>
             </a:fld>
             <a:endParaRPr kumimoji="1" lang="zh-CN" altLang="en-US"/>
           </a:p>
@@ -1292,7 +1292,7 @@
     </p:spTree>
     <p:extLst>
       <p:ext uri="{BB962C8B-B14F-4D97-AF65-F5344CB8AC3E}">
-        <p14:creationId xmlns:p14="http://schemas.microsoft.com/office/powerpoint/2010/main" val="3763526486"/>
+        <p14:creationId xmlns:p14="http://schemas.microsoft.com/office/powerpoint/2010/main" val="577352281"/>
       </p:ext>
     </p:extLst>
   </p:cSld>
@@ -1331,8 +1331,8 @@
         </p:nvSpPr>
         <p:spPr>
           <a:xfrm>
-            <a:off x="595178" y="115031"/>
-            <a:ext cx="7452658" cy="417614"/>
+            <a:off x="495891" y="95846"/>
+            <a:ext cx="6209407" cy="347960"/>
           </a:xfrm>
         </p:spPr>
         <p:txBody>
@@ -1359,8 +1359,8 @@
         </p:nvSpPr>
         <p:spPr>
           <a:xfrm>
-            <a:off x="595178" y="529645"/>
-            <a:ext cx="3655447" cy="259570"/>
+            <a:off x="495891" y="441305"/>
+            <a:ext cx="3045647" cy="216277"/>
           </a:xfrm>
         </p:spPr>
         <p:txBody>
@@ -1368,39 +1368,39 @@
           <a:lstStyle>
             <a:lvl1pPr marL="0" indent="0">
               <a:buNone/>
-              <a:defRPr sz="756" b="1"/>
+              <a:defRPr sz="630" b="1"/>
             </a:lvl1pPr>
-            <a:lvl2pPr marL="144018" indent="0">
-              <a:buNone/>
-              <a:defRPr sz="630" b="1"/>
+            <a:lvl2pPr marL="120015" indent="0">
+              <a:buNone/>
+              <a:defRPr sz="525" b="1"/>
             </a:lvl2pPr>
-            <a:lvl3pPr marL="288036" indent="0">
-              <a:buNone/>
-              <a:defRPr sz="567" b="1"/>
+            <a:lvl3pPr marL="240030" indent="0">
+              <a:buNone/>
+              <a:defRPr sz="472" b="1"/>
             </a:lvl3pPr>
-            <a:lvl4pPr marL="432054" indent="0">
-              <a:buNone/>
-              <a:defRPr sz="504" b="1"/>
+            <a:lvl4pPr marL="360045" indent="0">
+              <a:buNone/>
+              <a:defRPr sz="420" b="1"/>
             </a:lvl4pPr>
-            <a:lvl5pPr marL="576072" indent="0">
-              <a:buNone/>
-              <a:defRPr sz="504" b="1"/>
+            <a:lvl5pPr marL="480060" indent="0">
+              <a:buNone/>
+              <a:defRPr sz="420" b="1"/>
             </a:lvl5pPr>
-            <a:lvl6pPr marL="720090" indent="0">
-              <a:buNone/>
-              <a:defRPr sz="504" b="1"/>
+            <a:lvl6pPr marL="600075" indent="0">
+              <a:buNone/>
+              <a:defRPr sz="420" b="1"/>
             </a:lvl6pPr>
-            <a:lvl7pPr marL="864108" indent="0">
-              <a:buNone/>
-              <a:defRPr sz="504" b="1"/>
+            <a:lvl7pPr marL="720090" indent="0">
+              <a:buNone/>
+              <a:defRPr sz="420" b="1"/>
             </a:lvl7pPr>
-            <a:lvl8pPr marL="1008126" indent="0">
-              <a:buNone/>
-              <a:defRPr sz="504" b="1"/>
+            <a:lvl8pPr marL="840105" indent="0">
+              <a:buNone/>
+              <a:defRPr sz="420" b="1"/>
             </a:lvl8pPr>
-            <a:lvl9pPr marL="1152144" indent="0">
-              <a:buNone/>
-              <a:defRPr sz="504" b="1"/>
+            <a:lvl9pPr marL="960120" indent="0">
+              <a:buNone/>
+              <a:defRPr sz="420" b="1"/>
             </a:lvl9pPr>
           </a:lstStyle>
           <a:p>
@@ -1424,8 +1424,8 @@
         </p:nvSpPr>
         <p:spPr>
           <a:xfrm>
-            <a:off x="595178" y="789215"/>
-            <a:ext cx="3655447" cy="1160816"/>
+            <a:off x="495891" y="657582"/>
+            <a:ext cx="3045647" cy="967204"/>
           </a:xfrm>
         </p:spPr>
         <p:txBody>
@@ -1481,8 +1481,8 @@
         </p:nvSpPr>
         <p:spPr>
           <a:xfrm>
-            <a:off x="4374386" y="529645"/>
-            <a:ext cx="3673450" cy="259570"/>
+            <a:off x="3644652" y="441305"/>
+            <a:ext cx="3060646" cy="216277"/>
           </a:xfrm>
         </p:spPr>
         <p:txBody>
@@ -1490,39 +1490,39 @@
           <a:lstStyle>
             <a:lvl1pPr marL="0" indent="0">
               <a:buNone/>
-              <a:defRPr sz="756" b="1"/>
+              <a:defRPr sz="630" b="1"/>
             </a:lvl1pPr>
-            <a:lvl2pPr marL="144018" indent="0">
-              <a:buNone/>
-              <a:defRPr sz="630" b="1"/>
+            <a:lvl2pPr marL="120015" indent="0">
+              <a:buNone/>
+              <a:defRPr sz="525" b="1"/>
             </a:lvl2pPr>
-            <a:lvl3pPr marL="288036" indent="0">
-              <a:buNone/>
-              <a:defRPr sz="567" b="1"/>
+            <a:lvl3pPr marL="240030" indent="0">
+              <a:buNone/>
+              <a:defRPr sz="472" b="1"/>
             </a:lvl3pPr>
-            <a:lvl4pPr marL="432054" indent="0">
-              <a:buNone/>
-              <a:defRPr sz="504" b="1"/>
+            <a:lvl4pPr marL="360045" indent="0">
+              <a:buNone/>
+              <a:defRPr sz="420" b="1"/>
             </a:lvl4pPr>
-            <a:lvl5pPr marL="576072" indent="0">
-              <a:buNone/>
-              <a:defRPr sz="504" b="1"/>
+            <a:lvl5pPr marL="480060" indent="0">
+              <a:buNone/>
+              <a:defRPr sz="420" b="1"/>
             </a:lvl5pPr>
-            <a:lvl6pPr marL="720090" indent="0">
-              <a:buNone/>
-              <a:defRPr sz="504" b="1"/>
+            <a:lvl6pPr marL="600075" indent="0">
+              <a:buNone/>
+              <a:defRPr sz="420" b="1"/>
             </a:lvl6pPr>
-            <a:lvl7pPr marL="864108" indent="0">
-              <a:buNone/>
-              <a:defRPr sz="504" b="1"/>
+            <a:lvl7pPr marL="720090" indent="0">
+              <a:buNone/>
+              <a:defRPr sz="420" b="1"/>
             </a:lvl7pPr>
-            <a:lvl8pPr marL="1008126" indent="0">
-              <a:buNone/>
-              <a:defRPr sz="504" b="1"/>
+            <a:lvl8pPr marL="840105" indent="0">
+              <a:buNone/>
+              <a:defRPr sz="420" b="1"/>
             </a:lvl8pPr>
-            <a:lvl9pPr marL="1152144" indent="0">
-              <a:buNone/>
-              <a:defRPr sz="504" b="1"/>
+            <a:lvl9pPr marL="960120" indent="0">
+              <a:buNone/>
+              <a:defRPr sz="420" b="1"/>
             </a:lvl9pPr>
           </a:lstStyle>
           <a:p>
@@ -1546,8 +1546,8 @@
         </p:nvSpPr>
         <p:spPr>
           <a:xfrm>
-            <a:off x="4374386" y="789215"/>
-            <a:ext cx="3673450" cy="1160816"/>
+            <a:off x="3644652" y="657582"/>
+            <a:ext cx="3060646" cy="967204"/>
           </a:xfrm>
         </p:spPr>
         <p:txBody>
@@ -1608,7 +1608,7 @@
           <a:p>
             <a:fld id="{F9EB941E-0FB0-264C-9800-FF74B20F0846}" type="datetimeFigureOut">
               <a:rPr kumimoji="1" lang="zh-CN" altLang="en-US" smtClean="0"/>
-              <a:t>2023/5/3</a:t>
+              <a:t>2023/5/7</a:t>
             </a:fld>
             <a:endParaRPr kumimoji="1" lang="zh-CN" altLang="en-US"/>
           </a:p>
@@ -1659,7 +1659,7 @@
     </p:spTree>
     <p:extLst>
       <p:ext uri="{BB962C8B-B14F-4D97-AF65-F5344CB8AC3E}">
-        <p14:creationId xmlns:p14="http://schemas.microsoft.com/office/powerpoint/2010/main" val="2709847611"/>
+        <p14:creationId xmlns:p14="http://schemas.microsoft.com/office/powerpoint/2010/main" val="3325563049"/>
       </p:ext>
     </p:extLst>
   </p:cSld>
@@ -1726,7 +1726,7 @@
           <a:p>
             <a:fld id="{F9EB941E-0FB0-264C-9800-FF74B20F0846}" type="datetimeFigureOut">
               <a:rPr kumimoji="1" lang="zh-CN" altLang="en-US" smtClean="0"/>
-              <a:t>2023/5/3</a:t>
+              <a:t>2023/5/7</a:t>
             </a:fld>
             <a:endParaRPr kumimoji="1" lang="zh-CN" altLang="en-US"/>
           </a:p>
@@ -1777,7 +1777,7 @@
     </p:spTree>
     <p:extLst>
       <p:ext uri="{BB962C8B-B14F-4D97-AF65-F5344CB8AC3E}">
-        <p14:creationId xmlns:p14="http://schemas.microsoft.com/office/powerpoint/2010/main" val="671195041"/>
+        <p14:creationId xmlns:p14="http://schemas.microsoft.com/office/powerpoint/2010/main" val="3679509333"/>
       </p:ext>
     </p:extLst>
   </p:cSld>
@@ -1821,7 +1821,7 @@
           <a:p>
             <a:fld id="{F9EB941E-0FB0-264C-9800-FF74B20F0846}" type="datetimeFigureOut">
               <a:rPr kumimoji="1" lang="zh-CN" altLang="en-US" smtClean="0"/>
-              <a:t>2023/5/3</a:t>
+              <a:t>2023/5/7</a:t>
             </a:fld>
             <a:endParaRPr kumimoji="1" lang="zh-CN" altLang="en-US"/>
           </a:p>
@@ -1872,7 +1872,7 @@
     </p:spTree>
     <p:extLst>
       <p:ext uri="{BB962C8B-B14F-4D97-AF65-F5344CB8AC3E}">
-        <p14:creationId xmlns:p14="http://schemas.microsoft.com/office/powerpoint/2010/main" val="1120134688"/>
+        <p14:creationId xmlns:p14="http://schemas.microsoft.com/office/powerpoint/2010/main" val="1861743075"/>
       </p:ext>
     </p:extLst>
   </p:cSld>
@@ -1911,15 +1911,15 @@
         </p:nvSpPr>
         <p:spPr>
           <a:xfrm>
-            <a:off x="595178" y="144039"/>
-            <a:ext cx="2786871" cy="504137"/>
+            <a:off x="495891" y="120015"/>
+            <a:ext cx="2321966" cy="420053"/>
           </a:xfrm>
         </p:spPr>
         <p:txBody>
           <a:bodyPr anchor="b"/>
           <a:lstStyle>
             <a:lvl1pPr>
-              <a:defRPr sz="1008"/>
+              <a:defRPr sz="840"/>
             </a:lvl1pPr>
           </a:lstStyle>
           <a:p>
@@ -1943,39 +1943,39 @@
         </p:nvSpPr>
         <p:spPr>
           <a:xfrm>
-            <a:off x="3673450" y="311085"/>
-            <a:ext cx="4374386" cy="1535418"/>
+            <a:off x="3060646" y="259199"/>
+            <a:ext cx="3644652" cy="1279327"/>
           </a:xfrm>
         </p:spPr>
         <p:txBody>
           <a:bodyPr/>
           <a:lstStyle>
             <a:lvl1pPr>
-              <a:defRPr sz="1008"/>
+              <a:defRPr sz="840"/>
             </a:lvl1pPr>
             <a:lvl2pPr>
-              <a:defRPr sz="882"/>
+              <a:defRPr sz="735"/>
             </a:lvl2pPr>
             <a:lvl3pPr>
-              <a:defRPr sz="756"/>
+              <a:defRPr sz="630"/>
             </a:lvl3pPr>
             <a:lvl4pPr>
-              <a:defRPr sz="630"/>
+              <a:defRPr sz="525"/>
             </a:lvl4pPr>
             <a:lvl5pPr>
-              <a:defRPr sz="630"/>
+              <a:defRPr sz="525"/>
             </a:lvl5pPr>
             <a:lvl6pPr>
-              <a:defRPr sz="630"/>
+              <a:defRPr sz="525"/>
             </a:lvl6pPr>
             <a:lvl7pPr>
-              <a:defRPr sz="630"/>
+              <a:defRPr sz="525"/>
             </a:lvl7pPr>
             <a:lvl8pPr>
-              <a:defRPr sz="630"/>
+              <a:defRPr sz="525"/>
             </a:lvl8pPr>
             <a:lvl9pPr>
-              <a:defRPr sz="630"/>
+              <a:defRPr sz="525"/>
             </a:lvl9pPr>
           </a:lstStyle>
           <a:p>
@@ -2028,8 +2028,8 @@
         </p:nvSpPr>
         <p:spPr>
           <a:xfrm>
-            <a:off x="595178" y="648176"/>
-            <a:ext cx="2786871" cy="1200827"/>
+            <a:off x="495891" y="540067"/>
+            <a:ext cx="2321966" cy="1000542"/>
           </a:xfrm>
         </p:spPr>
         <p:txBody>
@@ -2037,39 +2037,39 @@
           <a:lstStyle>
             <a:lvl1pPr marL="0" indent="0">
               <a:buNone/>
-              <a:defRPr sz="504"/>
+              <a:defRPr sz="420"/>
             </a:lvl1pPr>
-            <a:lvl2pPr marL="144018" indent="0">
-              <a:buNone/>
-              <a:defRPr sz="441"/>
+            <a:lvl2pPr marL="120015" indent="0">
+              <a:buNone/>
+              <a:defRPr sz="368"/>
             </a:lvl2pPr>
-            <a:lvl3pPr marL="288036" indent="0">
-              <a:buNone/>
-              <a:defRPr sz="378"/>
+            <a:lvl3pPr marL="240030" indent="0">
+              <a:buNone/>
+              <a:defRPr sz="315"/>
             </a:lvl3pPr>
-            <a:lvl4pPr marL="432054" indent="0">
-              <a:buNone/>
-              <a:defRPr sz="315"/>
+            <a:lvl4pPr marL="360045" indent="0">
+              <a:buNone/>
+              <a:defRPr sz="263"/>
             </a:lvl4pPr>
-            <a:lvl5pPr marL="576072" indent="0">
-              <a:buNone/>
-              <a:defRPr sz="315"/>
+            <a:lvl5pPr marL="480060" indent="0">
+              <a:buNone/>
+              <a:defRPr sz="263"/>
             </a:lvl5pPr>
-            <a:lvl6pPr marL="720090" indent="0">
-              <a:buNone/>
-              <a:defRPr sz="315"/>
+            <a:lvl6pPr marL="600075" indent="0">
+              <a:buNone/>
+              <a:defRPr sz="263"/>
             </a:lvl6pPr>
-            <a:lvl7pPr marL="864108" indent="0">
-              <a:buNone/>
-              <a:defRPr sz="315"/>
+            <a:lvl7pPr marL="720090" indent="0">
+              <a:buNone/>
+              <a:defRPr sz="263"/>
             </a:lvl7pPr>
-            <a:lvl8pPr marL="1008126" indent="0">
-              <a:buNone/>
-              <a:defRPr sz="315"/>
+            <a:lvl8pPr marL="840105" indent="0">
+              <a:buNone/>
+              <a:defRPr sz="263"/>
             </a:lvl8pPr>
-            <a:lvl9pPr marL="1152144" indent="0">
-              <a:buNone/>
-              <a:defRPr sz="315"/>
+            <a:lvl9pPr marL="960120" indent="0">
+              <a:buNone/>
+              <a:defRPr sz="263"/>
             </a:lvl9pPr>
           </a:lstStyle>
           <a:p>
@@ -2098,7 +2098,7 @@
           <a:p>
             <a:fld id="{F9EB941E-0FB0-264C-9800-FF74B20F0846}" type="datetimeFigureOut">
               <a:rPr kumimoji="1" lang="zh-CN" altLang="en-US" smtClean="0"/>
-              <a:t>2023/5/3</a:t>
+              <a:t>2023/5/7</a:t>
             </a:fld>
             <a:endParaRPr kumimoji="1" lang="zh-CN" altLang="en-US"/>
           </a:p>
@@ -2149,7 +2149,7 @@
     </p:spTree>
     <p:extLst>
       <p:ext uri="{BB962C8B-B14F-4D97-AF65-F5344CB8AC3E}">
-        <p14:creationId xmlns:p14="http://schemas.microsoft.com/office/powerpoint/2010/main" val="1250104948"/>
+        <p14:creationId xmlns:p14="http://schemas.microsoft.com/office/powerpoint/2010/main" val="915220975"/>
       </p:ext>
     </p:extLst>
   </p:cSld>
@@ -2188,15 +2188,15 @@
         </p:nvSpPr>
         <p:spPr>
           <a:xfrm>
-            <a:off x="595178" y="144039"/>
-            <a:ext cx="2786871" cy="504137"/>
+            <a:off x="495891" y="120015"/>
+            <a:ext cx="2321966" cy="420053"/>
           </a:xfrm>
         </p:spPr>
         <p:txBody>
           <a:bodyPr anchor="b"/>
           <a:lstStyle>
             <a:lvl1pPr>
-              <a:defRPr sz="1008"/>
+              <a:defRPr sz="840"/>
             </a:lvl1pPr>
           </a:lstStyle>
           <a:p>
@@ -2220,8 +2220,8 @@
         </p:nvSpPr>
         <p:spPr>
           <a:xfrm>
-            <a:off x="3673450" y="311085"/>
-            <a:ext cx="4374386" cy="1535418"/>
+            <a:off x="3060646" y="259199"/>
+            <a:ext cx="3644652" cy="1279327"/>
           </a:xfrm>
         </p:spPr>
         <p:txBody>
@@ -2229,39 +2229,39 @@
           <a:lstStyle>
             <a:lvl1pPr marL="0" indent="0">
               <a:buNone/>
-              <a:defRPr sz="1008"/>
+              <a:defRPr sz="840"/>
             </a:lvl1pPr>
-            <a:lvl2pPr marL="144018" indent="0">
-              <a:buNone/>
-              <a:defRPr sz="882"/>
+            <a:lvl2pPr marL="120015" indent="0">
+              <a:buNone/>
+              <a:defRPr sz="735"/>
             </a:lvl2pPr>
-            <a:lvl3pPr marL="288036" indent="0">
-              <a:buNone/>
-              <a:defRPr sz="756"/>
+            <a:lvl3pPr marL="240030" indent="0">
+              <a:buNone/>
+              <a:defRPr sz="630"/>
             </a:lvl3pPr>
-            <a:lvl4pPr marL="432054" indent="0">
-              <a:buNone/>
-              <a:defRPr sz="630"/>
+            <a:lvl4pPr marL="360045" indent="0">
+              <a:buNone/>
+              <a:defRPr sz="525"/>
             </a:lvl4pPr>
-            <a:lvl5pPr marL="576072" indent="0">
-              <a:buNone/>
-              <a:defRPr sz="630"/>
+            <a:lvl5pPr marL="480060" indent="0">
+              <a:buNone/>
+              <a:defRPr sz="525"/>
             </a:lvl5pPr>
-            <a:lvl6pPr marL="720090" indent="0">
-              <a:buNone/>
-              <a:defRPr sz="630"/>
+            <a:lvl6pPr marL="600075" indent="0">
+              <a:buNone/>
+              <a:defRPr sz="525"/>
             </a:lvl6pPr>
-            <a:lvl7pPr marL="864108" indent="0">
-              <a:buNone/>
-              <a:defRPr sz="630"/>
+            <a:lvl7pPr marL="720090" indent="0">
+              <a:buNone/>
+              <a:defRPr sz="525"/>
             </a:lvl7pPr>
-            <a:lvl8pPr marL="1008126" indent="0">
-              <a:buNone/>
-              <a:defRPr sz="630"/>
+            <a:lvl8pPr marL="840105" indent="0">
+              <a:buNone/>
+              <a:defRPr sz="525"/>
             </a:lvl8pPr>
-            <a:lvl9pPr marL="1152144" indent="0">
-              <a:buNone/>
-              <a:defRPr sz="630"/>
+            <a:lvl9pPr marL="960120" indent="0">
+              <a:buNone/>
+              <a:defRPr sz="525"/>
             </a:lvl9pPr>
           </a:lstStyle>
           <a:p>
@@ -2285,8 +2285,8 @@
         </p:nvSpPr>
         <p:spPr>
           <a:xfrm>
-            <a:off x="595178" y="648176"/>
-            <a:ext cx="2786871" cy="1200827"/>
+            <a:off x="495891" y="540067"/>
+            <a:ext cx="2321966" cy="1000542"/>
           </a:xfrm>
         </p:spPr>
         <p:txBody>
@@ -2294,39 +2294,39 @@
           <a:lstStyle>
             <a:lvl1pPr marL="0" indent="0">
               <a:buNone/>
-              <a:defRPr sz="504"/>
+              <a:defRPr sz="420"/>
             </a:lvl1pPr>
-            <a:lvl2pPr marL="144018" indent="0">
-              <a:buNone/>
-              <a:defRPr sz="441"/>
+            <a:lvl2pPr marL="120015" indent="0">
+              <a:buNone/>
+              <a:defRPr sz="368"/>
             </a:lvl2pPr>
-            <a:lvl3pPr marL="288036" indent="0">
-              <a:buNone/>
-              <a:defRPr sz="378"/>
+            <a:lvl3pPr marL="240030" indent="0">
+              <a:buNone/>
+              <a:defRPr sz="315"/>
             </a:lvl3pPr>
-            <a:lvl4pPr marL="432054" indent="0">
-              <a:buNone/>
-              <a:defRPr sz="315"/>
+            <a:lvl4pPr marL="360045" indent="0">
+              <a:buNone/>
+              <a:defRPr sz="263"/>
             </a:lvl4pPr>
-            <a:lvl5pPr marL="576072" indent="0">
-              <a:buNone/>
-              <a:defRPr sz="315"/>
+            <a:lvl5pPr marL="480060" indent="0">
+              <a:buNone/>
+              <a:defRPr sz="263"/>
             </a:lvl5pPr>
-            <a:lvl6pPr marL="720090" indent="0">
-              <a:buNone/>
-              <a:defRPr sz="315"/>
+            <a:lvl6pPr marL="600075" indent="0">
+              <a:buNone/>
+              <a:defRPr sz="263"/>
             </a:lvl6pPr>
-            <a:lvl7pPr marL="864108" indent="0">
-              <a:buNone/>
-              <a:defRPr sz="315"/>
+            <a:lvl7pPr marL="720090" indent="0">
+              <a:buNone/>
+              <a:defRPr sz="263"/>
             </a:lvl7pPr>
-            <a:lvl8pPr marL="1008126" indent="0">
-              <a:buNone/>
-              <a:defRPr sz="315"/>
+            <a:lvl8pPr marL="840105" indent="0">
+              <a:buNone/>
+              <a:defRPr sz="263"/>
             </a:lvl8pPr>
-            <a:lvl9pPr marL="1152144" indent="0">
-              <a:buNone/>
-              <a:defRPr sz="315"/>
+            <a:lvl9pPr marL="960120" indent="0">
+              <a:buNone/>
+              <a:defRPr sz="263"/>
             </a:lvl9pPr>
           </a:lstStyle>
           <a:p>
@@ -2355,7 +2355,7 @@
           <a:p>
             <a:fld id="{F9EB941E-0FB0-264C-9800-FF74B20F0846}" type="datetimeFigureOut">
               <a:rPr kumimoji="1" lang="zh-CN" altLang="en-US" smtClean="0"/>
-              <a:t>2023/5/3</a:t>
+              <a:t>2023/5/7</a:t>
             </a:fld>
             <a:endParaRPr kumimoji="1" lang="zh-CN" altLang="en-US"/>
           </a:p>
@@ -2406,7 +2406,7 @@
     </p:spTree>
     <p:extLst>
       <p:ext uri="{BB962C8B-B14F-4D97-AF65-F5344CB8AC3E}">
-        <p14:creationId xmlns:p14="http://schemas.microsoft.com/office/powerpoint/2010/main" val="1489105031"/>
+        <p14:creationId xmlns:p14="http://schemas.microsoft.com/office/powerpoint/2010/main" val="2907573094"/>
       </p:ext>
     </p:extLst>
   </p:cSld>
@@ -2450,8 +2450,8 @@
         </p:nvSpPr>
         <p:spPr>
           <a:xfrm>
-            <a:off x="594053" y="115031"/>
-            <a:ext cx="7452658" cy="417614"/>
+            <a:off x="494953" y="95846"/>
+            <a:ext cx="6209407" cy="347960"/>
           </a:xfrm>
           <a:prstGeom prst="rect">
             <a:avLst/>
@@ -2483,8 +2483,8 @@
         </p:nvSpPr>
         <p:spPr>
           <a:xfrm>
-            <a:off x="594053" y="575157"/>
-            <a:ext cx="7452658" cy="1370873"/>
+            <a:off x="494953" y="479227"/>
+            <a:ext cx="6209407" cy="1142226"/>
           </a:xfrm>
           <a:prstGeom prst="rect">
             <a:avLst/>
@@ -2545,8 +2545,8 @@
         </p:nvSpPr>
         <p:spPr>
           <a:xfrm>
-            <a:off x="594052" y="2002545"/>
-            <a:ext cx="1944172" cy="115031"/>
+            <a:off x="494953" y="1668542"/>
+            <a:ext cx="1619845" cy="95845"/>
           </a:xfrm>
           <a:prstGeom prst="rect">
             <a:avLst/>
@@ -2556,7 +2556,7 @@
           <a:bodyPr vert="horz" lIns="91440" tIns="45720" rIns="91440" bIns="45720" rtlCol="0" anchor="ctr"/>
           <a:lstStyle>
             <a:lvl1pPr algn="l">
-              <a:defRPr sz="378">
+              <a:defRPr sz="315">
                 <a:solidFill>
                   <a:schemeClr val="tx1">
                     <a:tint val="75000"/>
@@ -2568,7 +2568,7 @@
           <a:p>
             <a:fld id="{F9EB941E-0FB0-264C-9800-FF74B20F0846}" type="datetimeFigureOut">
               <a:rPr kumimoji="1" lang="zh-CN" altLang="en-US" smtClean="0"/>
-              <a:t>2023/5/3</a:t>
+              <a:t>2023/5/7</a:t>
             </a:fld>
             <a:endParaRPr kumimoji="1" lang="zh-CN" altLang="en-US"/>
           </a:p>
@@ -2586,8 +2586,8 @@
         </p:nvSpPr>
         <p:spPr>
           <a:xfrm>
-            <a:off x="2862253" y="2002545"/>
-            <a:ext cx="2916258" cy="115031"/>
+            <a:off x="2384773" y="1668542"/>
+            <a:ext cx="2429768" cy="95845"/>
           </a:xfrm>
           <a:prstGeom prst="rect">
             <a:avLst/>
@@ -2597,7 +2597,7 @@
           <a:bodyPr vert="horz" lIns="91440" tIns="45720" rIns="91440" bIns="45720" rtlCol="0" anchor="ctr"/>
           <a:lstStyle>
             <a:lvl1pPr algn="ctr">
-              <a:defRPr sz="378">
+              <a:defRPr sz="315">
                 <a:solidFill>
                   <a:schemeClr val="tx1">
                     <a:tint val="75000"/>
@@ -2623,8 +2623,8 @@
         </p:nvSpPr>
         <p:spPr>
           <a:xfrm>
-            <a:off x="6102539" y="2002545"/>
-            <a:ext cx="1944172" cy="115031"/>
+            <a:off x="5084515" y="1668542"/>
+            <a:ext cx="1619845" cy="95845"/>
           </a:xfrm>
           <a:prstGeom prst="rect">
             <a:avLst/>
@@ -2634,7 +2634,7 @@
           <a:bodyPr vert="horz" lIns="91440" tIns="45720" rIns="91440" bIns="45720" rtlCol="0" anchor="ctr"/>
           <a:lstStyle>
             <a:lvl1pPr algn="r">
-              <a:defRPr sz="378">
+              <a:defRPr sz="315">
                 <a:solidFill>
                   <a:schemeClr val="tx1">
                     <a:tint val="75000"/>
@@ -2655,27 +2655,27 @@
     </p:spTree>
     <p:extLst>
       <p:ext uri="{BB962C8B-B14F-4D97-AF65-F5344CB8AC3E}">
-        <p14:creationId xmlns:p14="http://schemas.microsoft.com/office/powerpoint/2010/main" val="1587714340"/>
+        <p14:creationId xmlns:p14="http://schemas.microsoft.com/office/powerpoint/2010/main" val="810601025"/>
       </p:ext>
     </p:extLst>
   </p:cSld>
   <p:clrMap bg1="lt1" tx1="dk1" bg2="lt2" tx2="dk2" accent1="accent1" accent2="accent2" accent3="accent3" accent4="accent4" accent5="accent5" accent6="accent6" hlink="hlink" folHlink="folHlink"/>
   <p:sldLayoutIdLst>
-    <p:sldLayoutId id="2147483721" r:id="rId1"/>
-    <p:sldLayoutId id="2147483722" r:id="rId2"/>
-    <p:sldLayoutId id="2147483723" r:id="rId3"/>
-    <p:sldLayoutId id="2147483724" r:id="rId4"/>
-    <p:sldLayoutId id="2147483725" r:id="rId5"/>
-    <p:sldLayoutId id="2147483726" r:id="rId6"/>
-    <p:sldLayoutId id="2147483727" r:id="rId7"/>
-    <p:sldLayoutId id="2147483728" r:id="rId8"/>
-    <p:sldLayoutId id="2147483729" r:id="rId9"/>
-    <p:sldLayoutId id="2147483730" r:id="rId10"/>
-    <p:sldLayoutId id="2147483731" r:id="rId11"/>
+    <p:sldLayoutId id="2147483745" r:id="rId1"/>
+    <p:sldLayoutId id="2147483746" r:id="rId2"/>
+    <p:sldLayoutId id="2147483747" r:id="rId3"/>
+    <p:sldLayoutId id="2147483748" r:id="rId4"/>
+    <p:sldLayoutId id="2147483749" r:id="rId5"/>
+    <p:sldLayoutId id="2147483750" r:id="rId6"/>
+    <p:sldLayoutId id="2147483751" r:id="rId7"/>
+    <p:sldLayoutId id="2147483752" r:id="rId8"/>
+    <p:sldLayoutId id="2147483753" r:id="rId9"/>
+    <p:sldLayoutId id="2147483754" r:id="rId10"/>
+    <p:sldLayoutId id="2147483755" r:id="rId11"/>
   </p:sldLayoutIdLst>
   <p:txStyles>
     <p:titleStyle>
-      <a:lvl1pPr algn="l" defTabSz="288036" rtl="0" eaLnBrk="1" latinLnBrk="0" hangingPunct="1">
+      <a:lvl1pPr algn="l" defTabSz="240030" rtl="0" eaLnBrk="1" latinLnBrk="0" hangingPunct="1">
         <a:lnSpc>
           <a:spcPct val="90000"/>
         </a:lnSpc>
@@ -2683,7 +2683,7 @@
           <a:spcPct val="0"/>
         </a:spcBef>
         <a:buNone/>
-        <a:defRPr sz="1386" kern="1200">
+        <a:defRPr sz="1155" kern="1200">
           <a:solidFill>
             <a:schemeClr val="tx1"/>
           </a:solidFill>
@@ -2694,16 +2694,16 @@
       </a:lvl1pPr>
     </p:titleStyle>
     <p:bodyStyle>
-      <a:lvl1pPr marL="72009" indent="-72009" algn="l" defTabSz="288036" rtl="0" eaLnBrk="1" latinLnBrk="0" hangingPunct="1">
+      <a:lvl1pPr marL="60008" indent="-60008" algn="l" defTabSz="240030" rtl="0" eaLnBrk="1" latinLnBrk="0" hangingPunct="1">
         <a:lnSpc>
           <a:spcPct val="90000"/>
         </a:lnSpc>
         <a:spcBef>
-          <a:spcPts val="315"/>
+          <a:spcPts val="263"/>
         </a:spcBef>
         <a:buFont typeface="Arial" panose="020B0604020202020204" pitchFamily="34" charset="0"/>
         <a:buChar char="•"/>
-        <a:defRPr sz="882" kern="1200">
+        <a:defRPr sz="735" kern="1200">
           <a:solidFill>
             <a:schemeClr val="tx1"/>
           </a:solidFill>
@@ -2712,30 +2712,12 @@
           <a:cs typeface="+mn-cs"/>
         </a:defRPr>
       </a:lvl1pPr>
-      <a:lvl2pPr marL="216027" indent="-72009" algn="l" defTabSz="288036" rtl="0" eaLnBrk="1" latinLnBrk="0" hangingPunct="1">
+      <a:lvl2pPr marL="180023" indent="-60008" algn="l" defTabSz="240030" rtl="0" eaLnBrk="1" latinLnBrk="0" hangingPunct="1">
         <a:lnSpc>
           <a:spcPct val="90000"/>
         </a:lnSpc>
         <a:spcBef>
-          <a:spcPts val="158"/>
-        </a:spcBef>
-        <a:buFont typeface="Arial" panose="020B0604020202020204" pitchFamily="34" charset="0"/>
-        <a:buChar char="•"/>
-        <a:defRPr sz="756" kern="1200">
-          <a:solidFill>
-            <a:schemeClr val="tx1"/>
-          </a:solidFill>
-          <a:latin typeface="+mn-lt"/>
-          <a:ea typeface="+mn-ea"/>
-          <a:cs typeface="+mn-cs"/>
-        </a:defRPr>
-      </a:lvl2pPr>
-      <a:lvl3pPr marL="360045" indent="-72009" algn="l" defTabSz="288036" rtl="0" eaLnBrk="1" latinLnBrk="0" hangingPunct="1">
-        <a:lnSpc>
-          <a:spcPct val="90000"/>
-        </a:lnSpc>
-        <a:spcBef>
-          <a:spcPts val="158"/>
+          <a:spcPts val="131"/>
         </a:spcBef>
         <a:buFont typeface="Arial" panose="020B0604020202020204" pitchFamily="34" charset="0"/>
         <a:buChar char="•"/>
@@ -2747,17 +2729,35 @@
           <a:ea typeface="+mn-ea"/>
           <a:cs typeface="+mn-cs"/>
         </a:defRPr>
-      </a:lvl3pPr>
-      <a:lvl4pPr marL="504063" indent="-72009" algn="l" defTabSz="288036" rtl="0" eaLnBrk="1" latinLnBrk="0" hangingPunct="1">
+      </a:lvl2pPr>
+      <a:lvl3pPr marL="300038" indent="-60008" algn="l" defTabSz="240030" rtl="0" eaLnBrk="1" latinLnBrk="0" hangingPunct="1">
         <a:lnSpc>
           <a:spcPct val="90000"/>
         </a:lnSpc>
         <a:spcBef>
-          <a:spcPts val="158"/>
+          <a:spcPts val="131"/>
         </a:spcBef>
         <a:buFont typeface="Arial" panose="020B0604020202020204" pitchFamily="34" charset="0"/>
         <a:buChar char="•"/>
-        <a:defRPr sz="567" kern="1200">
+        <a:defRPr sz="525" kern="1200">
+          <a:solidFill>
+            <a:schemeClr val="tx1"/>
+          </a:solidFill>
+          <a:latin typeface="+mn-lt"/>
+          <a:ea typeface="+mn-ea"/>
+          <a:cs typeface="+mn-cs"/>
+        </a:defRPr>
+      </a:lvl3pPr>
+      <a:lvl4pPr marL="420053" indent="-60008" algn="l" defTabSz="240030" rtl="0" eaLnBrk="1" latinLnBrk="0" hangingPunct="1">
+        <a:lnSpc>
+          <a:spcPct val="90000"/>
+        </a:lnSpc>
+        <a:spcBef>
+          <a:spcPts val="131"/>
+        </a:spcBef>
+        <a:buFont typeface="Arial" panose="020B0604020202020204" pitchFamily="34" charset="0"/>
+        <a:buChar char="•"/>
+        <a:defRPr sz="472" kern="1200">
           <a:solidFill>
             <a:schemeClr val="tx1"/>
           </a:solidFill>
@@ -2766,16 +2766,16 @@
           <a:cs typeface="+mn-cs"/>
         </a:defRPr>
       </a:lvl4pPr>
-      <a:lvl5pPr marL="648081" indent="-72009" algn="l" defTabSz="288036" rtl="0" eaLnBrk="1" latinLnBrk="0" hangingPunct="1">
+      <a:lvl5pPr marL="540068" indent="-60008" algn="l" defTabSz="240030" rtl="0" eaLnBrk="1" latinLnBrk="0" hangingPunct="1">
         <a:lnSpc>
           <a:spcPct val="90000"/>
         </a:lnSpc>
         <a:spcBef>
-          <a:spcPts val="158"/>
+          <a:spcPts val="131"/>
         </a:spcBef>
         <a:buFont typeface="Arial" panose="020B0604020202020204" pitchFamily="34" charset="0"/>
         <a:buChar char="•"/>
-        <a:defRPr sz="567" kern="1200">
+        <a:defRPr sz="472" kern="1200">
           <a:solidFill>
             <a:schemeClr val="tx1"/>
           </a:solidFill>
@@ -2784,16 +2784,16 @@
           <a:cs typeface="+mn-cs"/>
         </a:defRPr>
       </a:lvl5pPr>
-      <a:lvl6pPr marL="792099" indent="-72009" algn="l" defTabSz="288036" rtl="0" eaLnBrk="1" latinLnBrk="0" hangingPunct="1">
+      <a:lvl6pPr marL="660083" indent="-60008" algn="l" defTabSz="240030" rtl="0" eaLnBrk="1" latinLnBrk="0" hangingPunct="1">
         <a:lnSpc>
           <a:spcPct val="90000"/>
         </a:lnSpc>
         <a:spcBef>
-          <a:spcPts val="158"/>
+          <a:spcPts val="131"/>
         </a:spcBef>
         <a:buFont typeface="Arial" panose="020B0604020202020204" pitchFamily="34" charset="0"/>
         <a:buChar char="•"/>
-        <a:defRPr sz="567" kern="1200">
+        <a:defRPr sz="472" kern="1200">
           <a:solidFill>
             <a:schemeClr val="tx1"/>
           </a:solidFill>
@@ -2802,16 +2802,16 @@
           <a:cs typeface="+mn-cs"/>
         </a:defRPr>
       </a:lvl6pPr>
-      <a:lvl7pPr marL="936117" indent="-72009" algn="l" defTabSz="288036" rtl="0" eaLnBrk="1" latinLnBrk="0" hangingPunct="1">
+      <a:lvl7pPr marL="780098" indent="-60008" algn="l" defTabSz="240030" rtl="0" eaLnBrk="1" latinLnBrk="0" hangingPunct="1">
         <a:lnSpc>
           <a:spcPct val="90000"/>
         </a:lnSpc>
         <a:spcBef>
-          <a:spcPts val="158"/>
+          <a:spcPts val="131"/>
         </a:spcBef>
         <a:buFont typeface="Arial" panose="020B0604020202020204" pitchFamily="34" charset="0"/>
         <a:buChar char="•"/>
-        <a:defRPr sz="567" kern="1200">
+        <a:defRPr sz="472" kern="1200">
           <a:solidFill>
             <a:schemeClr val="tx1"/>
           </a:solidFill>
@@ -2820,16 +2820,16 @@
           <a:cs typeface="+mn-cs"/>
         </a:defRPr>
       </a:lvl7pPr>
-      <a:lvl8pPr marL="1080135" indent="-72009" algn="l" defTabSz="288036" rtl="0" eaLnBrk="1" latinLnBrk="0" hangingPunct="1">
+      <a:lvl8pPr marL="900113" indent="-60008" algn="l" defTabSz="240030" rtl="0" eaLnBrk="1" latinLnBrk="0" hangingPunct="1">
         <a:lnSpc>
           <a:spcPct val="90000"/>
         </a:lnSpc>
         <a:spcBef>
-          <a:spcPts val="158"/>
+          <a:spcPts val="131"/>
         </a:spcBef>
         <a:buFont typeface="Arial" panose="020B0604020202020204" pitchFamily="34" charset="0"/>
         <a:buChar char="•"/>
-        <a:defRPr sz="567" kern="1200">
+        <a:defRPr sz="472" kern="1200">
           <a:solidFill>
             <a:schemeClr val="tx1"/>
           </a:solidFill>
@@ -2838,16 +2838,16 @@
           <a:cs typeface="+mn-cs"/>
         </a:defRPr>
       </a:lvl8pPr>
-      <a:lvl9pPr marL="1224153" indent="-72009" algn="l" defTabSz="288036" rtl="0" eaLnBrk="1" latinLnBrk="0" hangingPunct="1">
+      <a:lvl9pPr marL="1020128" indent="-60008" algn="l" defTabSz="240030" rtl="0" eaLnBrk="1" latinLnBrk="0" hangingPunct="1">
         <a:lnSpc>
           <a:spcPct val="90000"/>
         </a:lnSpc>
         <a:spcBef>
-          <a:spcPts val="158"/>
+          <a:spcPts val="131"/>
         </a:spcBef>
         <a:buFont typeface="Arial" panose="020B0604020202020204" pitchFamily="34" charset="0"/>
         <a:buChar char="•"/>
-        <a:defRPr sz="567" kern="1200">
+        <a:defRPr sz="472" kern="1200">
           <a:solidFill>
             <a:schemeClr val="tx1"/>
           </a:solidFill>
@@ -2861,8 +2861,8 @@
       <a:defPPr>
         <a:defRPr lang="en-US"/>
       </a:defPPr>
-      <a:lvl1pPr marL="0" algn="l" defTabSz="288036" rtl="0" eaLnBrk="1" latinLnBrk="0" hangingPunct="1">
-        <a:defRPr sz="567" kern="1200">
+      <a:lvl1pPr marL="0" algn="l" defTabSz="240030" rtl="0" eaLnBrk="1" latinLnBrk="0" hangingPunct="1">
+        <a:defRPr sz="472" kern="1200">
           <a:solidFill>
             <a:schemeClr val="tx1"/>
           </a:solidFill>
@@ -2871,8 +2871,8 @@
           <a:cs typeface="+mn-cs"/>
         </a:defRPr>
       </a:lvl1pPr>
-      <a:lvl2pPr marL="144018" algn="l" defTabSz="288036" rtl="0" eaLnBrk="1" latinLnBrk="0" hangingPunct="1">
-        <a:defRPr sz="567" kern="1200">
+      <a:lvl2pPr marL="120015" algn="l" defTabSz="240030" rtl="0" eaLnBrk="1" latinLnBrk="0" hangingPunct="1">
+        <a:defRPr sz="472" kern="1200">
           <a:solidFill>
             <a:schemeClr val="tx1"/>
           </a:solidFill>
@@ -2881,8 +2881,8 @@
           <a:cs typeface="+mn-cs"/>
         </a:defRPr>
       </a:lvl2pPr>
-      <a:lvl3pPr marL="288036" algn="l" defTabSz="288036" rtl="0" eaLnBrk="1" latinLnBrk="0" hangingPunct="1">
-        <a:defRPr sz="567" kern="1200">
+      <a:lvl3pPr marL="240030" algn="l" defTabSz="240030" rtl="0" eaLnBrk="1" latinLnBrk="0" hangingPunct="1">
+        <a:defRPr sz="472" kern="1200">
           <a:solidFill>
             <a:schemeClr val="tx1"/>
           </a:solidFill>
@@ -2891,8 +2891,8 @@
           <a:cs typeface="+mn-cs"/>
         </a:defRPr>
       </a:lvl3pPr>
-      <a:lvl4pPr marL="432054" algn="l" defTabSz="288036" rtl="0" eaLnBrk="1" latinLnBrk="0" hangingPunct="1">
-        <a:defRPr sz="567" kern="1200">
+      <a:lvl4pPr marL="360045" algn="l" defTabSz="240030" rtl="0" eaLnBrk="1" latinLnBrk="0" hangingPunct="1">
+        <a:defRPr sz="472" kern="1200">
           <a:solidFill>
             <a:schemeClr val="tx1"/>
           </a:solidFill>
@@ -2901,8 +2901,8 @@
           <a:cs typeface="+mn-cs"/>
         </a:defRPr>
       </a:lvl4pPr>
-      <a:lvl5pPr marL="576072" algn="l" defTabSz="288036" rtl="0" eaLnBrk="1" latinLnBrk="0" hangingPunct="1">
-        <a:defRPr sz="567" kern="1200">
+      <a:lvl5pPr marL="480060" algn="l" defTabSz="240030" rtl="0" eaLnBrk="1" latinLnBrk="0" hangingPunct="1">
+        <a:defRPr sz="472" kern="1200">
           <a:solidFill>
             <a:schemeClr val="tx1"/>
           </a:solidFill>
@@ -2911,8 +2911,8 @@
           <a:cs typeface="+mn-cs"/>
         </a:defRPr>
       </a:lvl5pPr>
-      <a:lvl6pPr marL="720090" algn="l" defTabSz="288036" rtl="0" eaLnBrk="1" latinLnBrk="0" hangingPunct="1">
-        <a:defRPr sz="567" kern="1200">
+      <a:lvl6pPr marL="600075" algn="l" defTabSz="240030" rtl="0" eaLnBrk="1" latinLnBrk="0" hangingPunct="1">
+        <a:defRPr sz="472" kern="1200">
           <a:solidFill>
             <a:schemeClr val="tx1"/>
           </a:solidFill>
@@ -2921,8 +2921,8 @@
           <a:cs typeface="+mn-cs"/>
         </a:defRPr>
       </a:lvl6pPr>
-      <a:lvl7pPr marL="864108" algn="l" defTabSz="288036" rtl="0" eaLnBrk="1" latinLnBrk="0" hangingPunct="1">
-        <a:defRPr sz="567" kern="1200">
+      <a:lvl7pPr marL="720090" algn="l" defTabSz="240030" rtl="0" eaLnBrk="1" latinLnBrk="0" hangingPunct="1">
+        <a:defRPr sz="472" kern="1200">
           <a:solidFill>
             <a:schemeClr val="tx1"/>
           </a:solidFill>
@@ -2931,8 +2931,8 @@
           <a:cs typeface="+mn-cs"/>
         </a:defRPr>
       </a:lvl7pPr>
-      <a:lvl8pPr marL="1008126" algn="l" defTabSz="288036" rtl="0" eaLnBrk="1" latinLnBrk="0" hangingPunct="1">
-        <a:defRPr sz="567" kern="1200">
+      <a:lvl8pPr marL="840105" algn="l" defTabSz="240030" rtl="0" eaLnBrk="1" latinLnBrk="0" hangingPunct="1">
+        <a:defRPr sz="472" kern="1200">
           <a:solidFill>
             <a:schemeClr val="tx1"/>
           </a:solidFill>
@@ -2941,8 +2941,8 @@
           <a:cs typeface="+mn-cs"/>
         </a:defRPr>
       </a:lvl8pPr>
-      <a:lvl9pPr marL="1152144" algn="l" defTabSz="288036" rtl="0" eaLnBrk="1" latinLnBrk="0" hangingPunct="1">
-        <a:defRPr sz="567" kern="1200">
+      <a:lvl9pPr marL="960120" algn="l" defTabSz="240030" rtl="0" eaLnBrk="1" latinLnBrk="0" hangingPunct="1">
+        <a:defRPr sz="472" kern="1200">
           <a:solidFill>
             <a:schemeClr val="tx1"/>
           </a:solidFill>
@@ -2973,169 +2973,12 @@
           <a:chExt cx="0" cy="0"/>
         </a:xfrm>
       </p:grpSpPr>
-      <p:sp>
-        <p:nvSpPr>
-          <p:cNvPr id="20" name="文本框 19">
+      <p:pic>
+        <p:nvPicPr>
+          <p:cNvPr id="1028" name="Picture 4" descr="rotations - Are Euler angle figures wrong? - Mathematics Stack Exchange">
             <a:extLst>
               <a:ext uri="{FF2B5EF4-FFF2-40B4-BE49-F238E27FC236}">
-                <a16:creationId xmlns:a16="http://schemas.microsoft.com/office/drawing/2014/main" id="{3FA3EAA4-4D23-6F80-B27F-7EFCA954C2ED}"/>
-              </a:ext>
-            </a:extLst>
-          </p:cNvPr>
-          <p:cNvSpPr txBox="1"/>
-          <p:nvPr/>
-        </p:nvSpPr>
-        <p:spPr>
-          <a:xfrm>
-            <a:off x="618067" y="1791256"/>
-            <a:ext cx="898003" cy="369332"/>
-          </a:xfrm>
-          <a:prstGeom prst="rect">
-            <a:avLst/>
-          </a:prstGeom>
-          <a:noFill/>
-        </p:spPr>
-        <p:txBody>
-          <a:bodyPr wrap="none" rtlCol="0">
-            <a:spAutoFit/>
-          </a:bodyPr>
-          <a:lstStyle/>
-          <a:p>
-            <a:r>
-              <a:rPr kumimoji="1" lang="en-US" altLang="zh-CN" dirty="0">
-                <a:ea typeface="STXinwei" panose="02010800040101010101" pitchFamily="2" charset="-122"/>
-                <a:cs typeface="Yuppy SC" panose="020F0603040207020204" pitchFamily="34" charset="-122"/>
-              </a:rPr>
-              <a:t>(a)</a:t>
-            </a:r>
-            <a:r>
-              <a:rPr kumimoji="1" lang="zh-CN" altLang="en-US" dirty="0">
-                <a:latin typeface="SimSun" panose="02010600030101010101" pitchFamily="2" charset="-122"/>
-                <a:ea typeface="SimSun" panose="02010600030101010101" pitchFamily="2" charset="-122"/>
-                <a:cs typeface="Yuppy SC" panose="020F0603040207020204" pitchFamily="34" charset="-122"/>
-              </a:rPr>
-              <a:t>点云</a:t>
-            </a:r>
-          </a:p>
-        </p:txBody>
-      </p:sp>
-      <p:grpSp>
-        <p:nvGrpSpPr>
-          <p:cNvPr id="6" name="组合 5">
-            <a:extLst>
-              <a:ext uri="{FF2B5EF4-FFF2-40B4-BE49-F238E27FC236}">
-                <a16:creationId xmlns:a16="http://schemas.microsoft.com/office/drawing/2014/main" id="{7E1A909B-37E0-AF09-D698-901169E59F94}"/>
-              </a:ext>
-            </a:extLst>
-          </p:cNvPr>
-          <p:cNvGrpSpPr/>
-          <p:nvPr/>
-        </p:nvGrpSpPr>
-        <p:grpSpPr>
-          <a:xfrm>
-            <a:off x="2077669" y="278758"/>
-            <a:ext cx="1364735" cy="1416908"/>
-            <a:chOff x="3517900" y="727075"/>
-            <a:chExt cx="2324100" cy="2146300"/>
-          </a:xfrm>
-        </p:grpSpPr>
-        <p:pic>
-          <p:nvPicPr>
-            <p:cNvPr id="2" name="图片 1">
-              <a:extLst>
-                <a:ext uri="{FF2B5EF4-FFF2-40B4-BE49-F238E27FC236}">
-                  <a16:creationId xmlns:a16="http://schemas.microsoft.com/office/drawing/2014/main" id="{4C48F916-D2E7-253F-B605-8136C8DF488D}"/>
-                </a:ext>
-              </a:extLst>
-            </p:cNvPr>
-            <p:cNvPicPr>
-              <a:picLocks noChangeAspect="1"/>
-            </p:cNvPicPr>
-            <p:nvPr/>
-          </p:nvPicPr>
-          <p:blipFill>
-            <a:blip r:embed="rId2"/>
-            <a:stretch>
-              <a:fillRect/>
-            </a:stretch>
-          </p:blipFill>
-          <p:spPr>
-            <a:xfrm>
-              <a:off x="3517900" y="727075"/>
-              <a:ext cx="2324100" cy="2146300"/>
-            </a:xfrm>
-            <a:prstGeom prst="rect">
-              <a:avLst/>
-            </a:prstGeom>
-          </p:spPr>
-        </p:pic>
-        <p:pic>
-          <p:nvPicPr>
-            <p:cNvPr id="4" name="图片 3">
-              <a:extLst>
-                <a:ext uri="{FF2B5EF4-FFF2-40B4-BE49-F238E27FC236}">
-                  <a16:creationId xmlns:a16="http://schemas.microsoft.com/office/drawing/2014/main" id="{13158286-F7B8-D3C5-25EC-3E43FFFA3CB3}"/>
-                </a:ext>
-              </a:extLst>
-            </p:cNvPr>
-            <p:cNvPicPr>
-              <a:picLocks noChangeAspect="1"/>
-            </p:cNvPicPr>
-            <p:nvPr/>
-          </p:nvPicPr>
-          <p:blipFill>
-            <a:blip r:embed="rId3"/>
-            <a:stretch>
-              <a:fillRect/>
-            </a:stretch>
-          </p:blipFill>
-          <p:spPr>
-            <a:xfrm>
-              <a:off x="3517900" y="2384854"/>
-              <a:ext cx="445669" cy="488521"/>
-            </a:xfrm>
-            <a:prstGeom prst="rect">
-              <a:avLst/>
-            </a:prstGeom>
-          </p:spPr>
-        </p:pic>
-      </p:grpSp>
-      <p:pic>
-        <p:nvPicPr>
-          <p:cNvPr id="13" name="图片 12">
-            <a:extLst>
-              <a:ext uri="{FF2B5EF4-FFF2-40B4-BE49-F238E27FC236}">
-                <a16:creationId xmlns:a16="http://schemas.microsoft.com/office/drawing/2014/main" id="{EEFBCD05-128C-52A8-6969-8F8AA59A04A8}"/>
-              </a:ext>
-            </a:extLst>
-          </p:cNvPr>
-          <p:cNvPicPr>
-            <a:picLocks noChangeAspect="1"/>
-          </p:cNvPicPr>
-          <p:nvPr/>
-        </p:nvPicPr>
-        <p:blipFill>
-          <a:blip r:embed="rId4"/>
-          <a:stretch>
-            <a:fillRect/>
-          </a:stretch>
-        </p:blipFill>
-        <p:spPr>
-          <a:xfrm>
-            <a:off x="345200" y="375295"/>
-            <a:ext cx="1452462" cy="1223834"/>
-          </a:xfrm>
-          <a:prstGeom prst="rect">
-            <a:avLst/>
-          </a:prstGeom>
-        </p:spPr>
-      </p:pic>
-      <p:pic>
-        <p:nvPicPr>
-          <p:cNvPr id="1026" name="Picture 2" descr="Construct voxel grid on 3D point cloud | Download Scientific Diagram">
-            <a:extLst>
-              <a:ext uri="{FF2B5EF4-FFF2-40B4-BE49-F238E27FC236}">
-                <a16:creationId xmlns:a16="http://schemas.microsoft.com/office/drawing/2014/main" id="{AED20ED5-9B04-C040-CC7E-5A21563B39EF}"/>
+                <a16:creationId xmlns:a16="http://schemas.microsoft.com/office/drawing/2014/main" id="{D465D317-E475-E9CF-50F0-D412D5771425}"/>
               </a:ext>
             </a:extLst>
           </p:cNvPr>
@@ -3145,7 +2988,7 @@
           <p:nvPr/>
         </p:nvPicPr>
         <p:blipFill>
-          <a:blip r:embed="rId5">
+          <a:blip r:embed="rId2">
             <a:extLst>
               <a:ext uri="{28A0092B-C50C-407E-A947-70E740481C1C}">
                 <a14:useLocalDpi xmlns:a14="http://schemas.microsoft.com/office/drawing/2010/main" val="0"/>
@@ -3159,8 +3002,8 @@
         </p:blipFill>
         <p:spPr bwMode="auto">
           <a:xfrm>
-            <a:off x="3722409" y="278758"/>
-            <a:ext cx="1606829" cy="1416908"/>
+            <a:off x="5265062" y="146390"/>
+            <a:ext cx="1786560" cy="1507445"/>
           </a:xfrm>
           <a:prstGeom prst="rect">
             <a:avLst/>
@@ -3177,93 +3020,78 @@
           </a:extLst>
         </p:spPr>
       </p:pic>
-      <p:grpSp>
-        <p:nvGrpSpPr>
-          <p:cNvPr id="21" name="组合 20">
+      <p:pic>
+        <p:nvPicPr>
+          <p:cNvPr id="14" name="图形 13">
             <a:extLst>
               <a:ext uri="{FF2B5EF4-FFF2-40B4-BE49-F238E27FC236}">
-                <a16:creationId xmlns:a16="http://schemas.microsoft.com/office/drawing/2014/main" id="{92CC2267-EC74-1B02-BB5A-AC5F245780DC}"/>
+                <a16:creationId xmlns:a16="http://schemas.microsoft.com/office/drawing/2014/main" id="{E244112D-ADDB-9FDD-D86A-C7B31DC46004}"/>
               </a:ext>
             </a:extLst>
           </p:cNvPr>
-          <p:cNvGrpSpPr/>
+          <p:cNvPicPr>
+            <a:picLocks noChangeAspect="1"/>
+          </p:cNvPicPr>
           <p:nvPr/>
-        </p:nvGrpSpPr>
-        <p:grpSpPr>
+        </p:nvPicPr>
+        <p:blipFill>
+          <a:blip r:embed="rId3">
+            <a:extLst>
+              <a:ext uri="{96DAC541-7B7A-43D3-8B79-37D633B846F1}">
+                <asvg:svgBlip xmlns:asvg="http://schemas.microsoft.com/office/drawing/2016/SVG/main" r:embed="rId4"/>
+              </a:ext>
+            </a:extLst>
+          </a:blip>
+          <a:stretch>
+            <a:fillRect/>
+          </a:stretch>
+        </p:blipFill>
+        <p:spPr>
           <a:xfrm>
-            <a:off x="5609244" y="471998"/>
-            <a:ext cx="2747819" cy="1030433"/>
-            <a:chOff x="6110466" y="1346886"/>
-            <a:chExt cx="2747819" cy="1030433"/>
+            <a:off x="220451" y="-92970"/>
+            <a:ext cx="4976927" cy="1608223"/>
           </a:xfrm>
-        </p:grpSpPr>
-        <p:pic>
-          <p:nvPicPr>
-            <p:cNvPr id="16" name="图片 15" descr="地图&#10;&#10;描述已自动生成">
-              <a:extLst>
-                <a:ext uri="{FF2B5EF4-FFF2-40B4-BE49-F238E27FC236}">
-                  <a16:creationId xmlns:a16="http://schemas.microsoft.com/office/drawing/2014/main" id="{0FD2C431-B42F-F913-63A1-C670F03F022D}"/>
-                </a:ext>
-              </a:extLst>
-            </p:cNvPr>
-            <p:cNvPicPr>
-              <a:picLocks noChangeAspect="1"/>
-            </p:cNvPicPr>
-            <p:nvPr/>
-          </p:nvPicPr>
-          <p:blipFill>
-            <a:blip r:embed="rId6"/>
-            <a:stretch>
-              <a:fillRect/>
-            </a:stretch>
-          </p:blipFill>
-          <p:spPr>
-            <a:xfrm>
-              <a:off x="7484376" y="1346887"/>
-              <a:ext cx="1373909" cy="1030432"/>
-            </a:xfrm>
-            <a:prstGeom prst="rect">
-              <a:avLst/>
-            </a:prstGeom>
-          </p:spPr>
-        </p:pic>
-        <p:pic>
-          <p:nvPicPr>
-            <p:cNvPr id="19" name="图片 18" descr="图片包含 室内, 桌子, 小, 电脑&#10;&#10;描述已自动生成">
-              <a:extLst>
-                <a:ext uri="{FF2B5EF4-FFF2-40B4-BE49-F238E27FC236}">
-                  <a16:creationId xmlns:a16="http://schemas.microsoft.com/office/drawing/2014/main" id="{A9CFF7A8-2190-C6B2-2D72-A2CF9D360A4E}"/>
-                </a:ext>
-              </a:extLst>
-            </p:cNvPr>
-            <p:cNvPicPr>
-              <a:picLocks noChangeAspect="1"/>
-            </p:cNvPicPr>
-            <p:nvPr/>
-          </p:nvPicPr>
-          <p:blipFill>
-            <a:blip r:embed="rId7"/>
-            <a:stretch>
-              <a:fillRect/>
-            </a:stretch>
-          </p:blipFill>
-          <p:spPr>
-            <a:xfrm>
-              <a:off x="6110466" y="1346886"/>
-              <a:ext cx="1373910" cy="1030432"/>
-            </a:xfrm>
-            <a:prstGeom prst="rect">
-              <a:avLst/>
-            </a:prstGeom>
-          </p:spPr>
-        </p:pic>
-      </p:grpSp>
-      <p:sp>
-        <p:nvSpPr>
-          <p:cNvPr id="22" name="文本框 21">
+          <a:prstGeom prst="rect">
+            <a:avLst/>
+          </a:prstGeom>
+        </p:spPr>
+      </p:pic>
+      <p:pic>
+        <p:nvPicPr>
+          <p:cNvPr id="15" name="图片 14">
             <a:extLst>
               <a:ext uri="{FF2B5EF4-FFF2-40B4-BE49-F238E27FC236}">
-                <a16:creationId xmlns:a16="http://schemas.microsoft.com/office/drawing/2014/main" id="{632CFE24-6370-27FF-8B79-0B809D125584}"/>
+                <a16:creationId xmlns:a16="http://schemas.microsoft.com/office/drawing/2014/main" id="{89D2AB5F-DC39-4E02-C651-F671360F6287}"/>
+              </a:ext>
+            </a:extLst>
+          </p:cNvPr>
+          <p:cNvPicPr>
+            <a:picLocks noChangeAspect="1"/>
+          </p:cNvPicPr>
+          <p:nvPr/>
+        </p:nvPicPr>
+        <p:blipFill>
+          <a:blip r:embed="rId5"/>
+          <a:stretch>
+            <a:fillRect/>
+          </a:stretch>
+        </p:blipFill>
+        <p:spPr>
+          <a:xfrm>
+            <a:off x="499691" y="-192121"/>
+            <a:ext cx="4184991" cy="284081"/>
+          </a:xfrm>
+          <a:prstGeom prst="rect">
+            <a:avLst/>
+          </a:prstGeom>
+        </p:spPr>
+      </p:pic>
+      <p:sp>
+        <p:nvSpPr>
+          <p:cNvPr id="17" name="文本框 16">
+            <a:extLst>
+              <a:ext uri="{FF2B5EF4-FFF2-40B4-BE49-F238E27FC236}">
+                <a16:creationId xmlns:a16="http://schemas.microsoft.com/office/drawing/2014/main" id="{176BC1E0-A365-3A80-9436-C3F61FF73B66}"/>
               </a:ext>
             </a:extLst>
           </p:cNvPr>
@@ -3272,8 +3100,8 @@
         </p:nvSpPr>
         <p:spPr>
           <a:xfrm>
-            <a:off x="2071515" y="1791256"/>
-            <a:ext cx="1370888" cy="369332"/>
+            <a:off x="141881" y="1460514"/>
+            <a:ext cx="1317990" cy="307777"/>
           </a:xfrm>
           <a:prstGeom prst="rect">
             <a:avLst/>
@@ -3287,29 +3115,29 @@
           <a:lstStyle/>
           <a:p>
             <a:r>
-              <a:rPr kumimoji="1" lang="en-US" altLang="zh-CN" dirty="0">
-                <a:ea typeface="STXinwei" panose="02010800040101010101" pitchFamily="2" charset="-122"/>
-                <a:cs typeface="Yuppy SC" panose="020F0603040207020204" pitchFamily="34" charset="-122"/>
-              </a:rPr>
-              <a:t>(b)</a:t>
-            </a:r>
-            <a:r>
-              <a:rPr kumimoji="1" lang="zh-CN" altLang="en-US" dirty="0">
+              <a:rPr kumimoji="1" lang="en-US" altLang="zh-CN" sz="1400" dirty="0"/>
+              <a:t>(a)</a:t>
+            </a:r>
+            <a:r>
+              <a:rPr kumimoji="1" lang="zh-CN" altLang="en-US" sz="1400" dirty="0"/>
+              <a:t> </a:t>
+            </a:r>
+            <a:r>
+              <a:rPr kumimoji="1" lang="zh-CN" altLang="en-US" sz="1400" dirty="0">
                 <a:latin typeface="SimSun" panose="02010600030101010101" pitchFamily="2" charset="-122"/>
                 <a:ea typeface="SimSun" panose="02010600030101010101" pitchFamily="2" charset="-122"/>
-                <a:cs typeface="Yuppy SC" panose="020F0603040207020204" pitchFamily="34" charset="-122"/>
               </a:rPr>
-              <a:t>三角网格</a:t>
-            </a:r>
-          </a:p>
-        </p:txBody>
-      </p:sp>
-      <p:sp>
-        <p:nvSpPr>
-          <p:cNvPr id="23" name="文本框 22">
+              <a:t>第一次旋转</a:t>
+            </a:r>
+          </a:p>
+        </p:txBody>
+      </p:sp>
+      <p:sp>
+        <p:nvSpPr>
+          <p:cNvPr id="25" name="文本框 24">
             <a:extLst>
               <a:ext uri="{FF2B5EF4-FFF2-40B4-BE49-F238E27FC236}">
-                <a16:creationId xmlns:a16="http://schemas.microsoft.com/office/drawing/2014/main" id="{BB942DE3-270E-BA6B-EBA6-6018D904F48F}"/>
+                <a16:creationId xmlns:a16="http://schemas.microsoft.com/office/drawing/2014/main" id="{D0D81CAD-1D28-CDCB-8633-BB2CE0DD0473}"/>
               </a:ext>
             </a:extLst>
           </p:cNvPr>
@@ -3318,8 +3146,8 @@
         </p:nvSpPr>
         <p:spPr>
           <a:xfrm>
-            <a:off x="4083233" y="1791256"/>
-            <a:ext cx="885179" cy="369332"/>
+            <a:off x="1933191" y="1460514"/>
+            <a:ext cx="1326004" cy="307777"/>
           </a:xfrm>
           <a:prstGeom prst="rect">
             <a:avLst/>
@@ -3333,29 +3161,29 @@
           <a:lstStyle/>
           <a:p>
             <a:r>
-              <a:rPr kumimoji="1" lang="en-US" altLang="zh-CN" dirty="0">
-                <a:ea typeface="STXinwei" panose="02010800040101010101" pitchFamily="2" charset="-122"/>
-                <a:cs typeface="Yuppy SC" panose="020F0603040207020204" pitchFamily="34" charset="-122"/>
-              </a:rPr>
-              <a:t>(c)</a:t>
-            </a:r>
-            <a:r>
-              <a:rPr kumimoji="1" lang="zh-CN" altLang="en-US" dirty="0">
+              <a:rPr kumimoji="1" lang="en-US" altLang="zh-CN" sz="1400" dirty="0"/>
+              <a:t>(b)</a:t>
+            </a:r>
+            <a:r>
+              <a:rPr kumimoji="1" lang="zh-CN" altLang="en-US" sz="1400" dirty="0"/>
+              <a:t> </a:t>
+            </a:r>
+            <a:r>
+              <a:rPr kumimoji="1" lang="zh-CN" altLang="en-US" sz="1400" dirty="0">
                 <a:latin typeface="SimSun" panose="02010600030101010101" pitchFamily="2" charset="-122"/>
                 <a:ea typeface="SimSun" panose="02010600030101010101" pitchFamily="2" charset="-122"/>
-                <a:cs typeface="Yuppy SC" panose="020F0603040207020204" pitchFamily="34" charset="-122"/>
               </a:rPr>
-              <a:t>体素</a:t>
-            </a:r>
-          </a:p>
-        </p:txBody>
-      </p:sp>
-      <p:sp>
-        <p:nvSpPr>
-          <p:cNvPr id="24" name="文本框 23">
+              <a:t>第二次旋转</a:t>
+            </a:r>
+          </a:p>
+        </p:txBody>
+      </p:sp>
+      <p:sp>
+        <p:nvSpPr>
+          <p:cNvPr id="26" name="文本框 25">
             <a:extLst>
               <a:ext uri="{FF2B5EF4-FFF2-40B4-BE49-F238E27FC236}">
-                <a16:creationId xmlns:a16="http://schemas.microsoft.com/office/drawing/2014/main" id="{859E59FD-5E77-CC81-C49F-857AFFB3693E}"/>
+                <a16:creationId xmlns:a16="http://schemas.microsoft.com/office/drawing/2014/main" id="{3F25922E-E186-9EAA-E8AE-5F5AFE813AEB}"/>
               </a:ext>
             </a:extLst>
           </p:cNvPr>
@@ -3364,8 +3192,8 @@
         </p:nvSpPr>
         <p:spPr>
           <a:xfrm>
-            <a:off x="6470833" y="1791256"/>
-            <a:ext cx="1054584" cy="369332"/>
+            <a:off x="3732515" y="1460513"/>
+            <a:ext cx="1306768" cy="307777"/>
           </a:xfrm>
           <a:prstGeom prst="rect">
             <a:avLst/>
@@ -3379,23 +3207,76 @@
           <a:lstStyle/>
           <a:p>
             <a:r>
-              <a:rPr kumimoji="1" lang="en-US" altLang="zh-CN" dirty="0">
-                <a:ea typeface="STXinwei" panose="02010800040101010101" pitchFamily="2" charset="-122"/>
-                <a:cs typeface="Yuppy SC" panose="020F0603040207020204" pitchFamily="34" charset="-122"/>
+              <a:rPr kumimoji="1" lang="en-US" altLang="zh-CN" sz="1400" dirty="0"/>
+              <a:t>(c)</a:t>
+            </a:r>
+            <a:r>
+              <a:rPr kumimoji="1" lang="zh-CN" altLang="en-US" sz="1400" dirty="0"/>
+              <a:t> </a:t>
+            </a:r>
+            <a:r>
+              <a:rPr kumimoji="1" lang="zh-CN" altLang="en-US" sz="1400" dirty="0">
+                <a:latin typeface="SimSun" panose="02010600030101010101" pitchFamily="2" charset="-122"/>
+                <a:ea typeface="SimSun" panose="02010600030101010101" pitchFamily="2" charset="-122"/>
               </a:rPr>
+              <a:t>第三次旋转</a:t>
+            </a:r>
+          </a:p>
+        </p:txBody>
+      </p:sp>
+      <p:sp>
+        <p:nvSpPr>
+          <p:cNvPr id="27" name="文本框 26">
+            <a:extLst>
+              <a:ext uri="{FF2B5EF4-FFF2-40B4-BE49-F238E27FC236}">
+                <a16:creationId xmlns:a16="http://schemas.microsoft.com/office/drawing/2014/main" id="{C72DDB17-BBDB-000E-3AD0-B2640D3E81BD}"/>
+              </a:ext>
+            </a:extLst>
+          </p:cNvPr>
+          <p:cNvSpPr txBox="1"/>
+          <p:nvPr/>
+        </p:nvSpPr>
+        <p:spPr>
+          <a:xfrm>
+            <a:off x="5504958" y="1460512"/>
+            <a:ext cx="1388522" cy="307777"/>
+          </a:xfrm>
+          <a:prstGeom prst="rect">
+            <a:avLst/>
+          </a:prstGeom>
+          <a:noFill/>
+        </p:spPr>
+        <p:txBody>
+          <a:bodyPr wrap="none" rtlCol="0">
+            <a:spAutoFit/>
+          </a:bodyPr>
+          <a:lstStyle/>
+          <a:p>
+            <a:r>
+              <a:rPr kumimoji="1" lang="en-US" altLang="zh-CN" sz="1400" dirty="0"/>
               <a:t>(d)</a:t>
             </a:r>
             <a:r>
-              <a:rPr kumimoji="1" lang="en-US" altLang="zh-CN" dirty="0">
+              <a:rPr kumimoji="1" lang="zh-CN" altLang="en-US" sz="1400" dirty="0"/>
+              <a:t> </a:t>
+            </a:r>
+            <a:r>
+              <a:rPr kumimoji="1" lang="en-US" altLang="zh-CN" sz="1400" dirty="0" err="1"/>
+              <a:t>r</a:t>
+            </a:r>
+            <a:r>
+              <a:rPr kumimoji="1" lang="en-US" altLang="zh-CN" sz="1400" dirty="0" err="1">
                 <a:ea typeface="SimSun" panose="02010600030101010101" pitchFamily="2" charset="-122"/>
-                <a:cs typeface="Yuppy SC" panose="020F0603040207020204" pitchFamily="34" charset="-122"/>
               </a:rPr>
-              <a:t>RGB-D</a:t>
-            </a:r>
-            <a:endParaRPr kumimoji="1" lang="zh-CN" altLang="en-US" dirty="0">
-              <a:ea typeface="SimSun" panose="02010600030101010101" pitchFamily="2" charset="-122"/>
-              <a:cs typeface="Yuppy SC" panose="020F0603040207020204" pitchFamily="34" charset="-122"/>
-            </a:endParaRPr>
+              <a:t>py</a:t>
+            </a:r>
+            <a:r>
+              <a:rPr kumimoji="1" lang="zh-CN" altLang="en-US" sz="1400" dirty="0">
+                <a:latin typeface="SimSun" panose="02010600030101010101" pitchFamily="2" charset="-122"/>
+                <a:ea typeface="SimSun" panose="02010600030101010101" pitchFamily="2" charset="-122"/>
+              </a:rPr>
+              <a:t>表示方法</a:t>
+            </a:r>
           </a:p>
         </p:txBody>
       </p:sp>
